--- a/database/slides/PSALM_(EASTERTIDE_TRINITY_YEAR_B).pptx
+++ b/database/slides/PSALM_(EASTERTIDE_TRINITY_YEAR_B).pptx
@@ -15515,7 +15515,7 @@
                   <a:schemeClr val="lt1"/>
                 </a:solidFill>
               </a:rPr>
-              <a:t>I’ll raise the cup of salvation </a:t>
+              <a:t>Happy the people whom the Lord</a:t>
             </a:r>
           </a:p>
           <a:p>
@@ -15538,7 +15538,7 @@
                   <a:schemeClr val="lt1"/>
                 </a:solidFill>
               </a:rPr>
-              <a:t>and call upon the Lord</a:t>
+              <a:t>has chosen for his own.</a:t>
             </a:r>
           </a:p>
         </p:txBody>
